--- a/Trials.pptx
+++ b/Trials.pptx
@@ -179,7 +179,9 @@
           <c:order val="0"/>
           <c:spPr>
             <a:solidFill>
-              <a:srgbClr val="E7372E"/>
+              <a:schemeClr val="bg1">
+                <a:lumMod val="85000"/>
+              </a:schemeClr>
             </a:solidFill>
             <a:ln>
               <a:noFill/>
@@ -187,61 +189,6 @@
             <a:effectLst/>
           </c:spPr>
           <c:invertIfNegative val="0"/>
-          <c:dLbls>
-            <c:spPr>
-              <a:noFill/>
-              <a:ln>
-                <a:noFill/>
-              </a:ln>
-              <a:effectLst/>
-            </c:spPr>
-            <c:txPr>
-              <a:bodyPr rot="0" spcFirstLastPara="1" vertOverflow="ellipsis" vert="horz" wrap="square" lIns="38100" tIns="19050" rIns="38100" bIns="19050" anchor="ctr" anchorCtr="1">
-                <a:spAutoFit/>
-              </a:bodyPr>
-              <a:lstStyle/>
-              <a:p>
-                <a:pPr>
-                  <a:defRPr sz="1200" b="0" i="0" u="none" strike="noStrike" kern="1200" baseline="0">
-                    <a:solidFill>
-                      <a:schemeClr val="bg1"/>
-                    </a:solidFill>
-                    <a:latin typeface="+mn-lt"/>
-                    <a:ea typeface="+mn-ea"/>
-                    <a:cs typeface="+mn-cs"/>
-                  </a:defRPr>
-                </a:pPr>
-                <a:endParaRPr lang="en-US"/>
-              </a:p>
-            </c:txPr>
-            <c:dLblPos val="ctr"/>
-            <c:showLegendKey val="0"/>
-            <c:showVal val="1"/>
-            <c:showCatName val="0"/>
-            <c:showSerName val="0"/>
-            <c:showPercent val="0"/>
-            <c:showBubbleSize val="0"/>
-            <c:showLeaderLines val="0"/>
-            <c:extLst>
-              <c:ext xmlns:c15="http://schemas.microsoft.com/office/drawing/2012/chart" uri="{CE6537A1-D6FC-4f65-9D91-7224C49458BB}">
-                <c15:showLeaderLines val="1"/>
-                <c15:leaderLines>
-                  <c:spPr>
-                    <a:ln w="9525" cap="flat" cmpd="sng" algn="ctr">
-                      <a:solidFill>
-                        <a:schemeClr val="tx1">
-                          <a:lumMod val="35000"/>
-                          <a:lumOff val="65000"/>
-                        </a:schemeClr>
-                      </a:solidFill>
-                      <a:round/>
-                    </a:ln>
-                    <a:effectLst/>
-                  </c:spPr>
-                </c15:leaderLines>
-              </c:ext>
-            </c:extLst>
-          </c:dLbls>
           <c:val>
             <c:numRef>
               <c:f>Sheet1!$A$2:$A$4</c:f>
@@ -271,7 +218,9 @@
           <c:order val="1"/>
           <c:spPr>
             <a:solidFill>
-              <a:srgbClr val="297CCB"/>
+              <a:schemeClr val="bg1">
+                <a:lumMod val="85000"/>
+              </a:schemeClr>
             </a:solidFill>
             <a:ln>
               <a:noFill/>
@@ -279,60 +228,25 @@
             <a:effectLst/>
           </c:spPr>
           <c:invertIfNegative val="0"/>
-          <c:dLbls>
+          <c:dPt>
+            <c:idx val="2"/>
+            <c:invertIfNegative val="0"/>
+            <c:bubble3D val="0"/>
             <c:spPr>
-              <a:noFill/>
+              <a:solidFill>
+                <a:srgbClr val="D8C44C"/>
+              </a:solidFill>
               <a:ln>
                 <a:noFill/>
               </a:ln>
               <a:effectLst/>
             </c:spPr>
-            <c:txPr>
-              <a:bodyPr rot="0" spcFirstLastPara="1" vertOverflow="ellipsis" vert="horz" wrap="square" lIns="38100" tIns="19050" rIns="38100" bIns="19050" anchor="ctr" anchorCtr="1">
-                <a:spAutoFit/>
-              </a:bodyPr>
-              <a:lstStyle/>
-              <a:p>
-                <a:pPr>
-                  <a:defRPr sz="1200" b="0" i="0" u="none" strike="noStrike" kern="1200" baseline="0">
-                    <a:solidFill>
-                      <a:schemeClr val="bg1"/>
-                    </a:solidFill>
-                    <a:latin typeface="+mn-lt"/>
-                    <a:ea typeface="+mn-ea"/>
-                    <a:cs typeface="+mn-cs"/>
-                  </a:defRPr>
-                </a:pPr>
-                <a:endParaRPr lang="en-US"/>
-              </a:p>
-            </c:txPr>
-            <c:showLegendKey val="0"/>
-            <c:showVal val="1"/>
-            <c:showCatName val="0"/>
-            <c:showSerName val="0"/>
-            <c:showPercent val="0"/>
-            <c:showBubbleSize val="0"/>
-            <c:showLeaderLines val="0"/>
             <c:extLst>
-              <c:ext xmlns:c15="http://schemas.microsoft.com/office/drawing/2012/chart" uri="{CE6537A1-D6FC-4f65-9D91-7224C49458BB}">
-                <c15:showLeaderLines val="1"/>
-                <c15:leaderLines>
-                  <c:spPr>
-                    <a:ln w="9525" cap="flat" cmpd="sng" algn="ctr">
-                      <a:solidFill>
-                        <a:schemeClr val="tx1">
-                          <a:lumMod val="35000"/>
-                          <a:lumOff val="65000"/>
-                        </a:schemeClr>
-                      </a:solidFill>
-                      <a:round/>
-                    </a:ln>
-                    <a:effectLst/>
-                  </c:spPr>
-                </c15:leaderLines>
+              <c:ext xmlns:c16="http://schemas.microsoft.com/office/drawing/2014/chart" uri="{C3380CC4-5D6E-409C-BE32-E72D297353CC}">
+                <c16:uniqueId val="{00000001-6533-4DBD-8A55-5C1D14ECF3F0}"/>
               </c:ext>
             </c:extLst>
-          </c:dLbls>
+          </c:dPt>
           <c:val>
             <c:numRef>
               <c:f>Sheet1!$B$2:$B$4</c:f>
@@ -1951,7 +1865,7 @@
           <a:p>
             <a:fld id="{B5786730-2C7F-4C48-AD63-F50FD47957FB}" type="datetimeFigureOut">
               <a:rPr lang="en-US" smtClean="0"/>
-              <a:t>10/13/2025</a:t>
+              <a:t>10/20/2025</a:t>
             </a:fld>
             <a:endParaRPr lang="en-US"/>
           </a:p>
@@ -2365,7 +2279,7 @@
           <a:p>
             <a:fld id="{48FEEF45-28CC-454E-AF3F-584F42B34867}" type="datetimeFigureOut">
               <a:rPr lang="en-US" smtClean="0"/>
-              <a:t>10/13/2025</a:t>
+              <a:t>10/20/2025</a:t>
             </a:fld>
             <a:endParaRPr lang="en-US"/>
           </a:p>
@@ -2563,7 +2477,7 @@
           <a:p>
             <a:fld id="{48FEEF45-28CC-454E-AF3F-584F42B34867}" type="datetimeFigureOut">
               <a:rPr lang="en-US" smtClean="0"/>
-              <a:t>10/13/2025</a:t>
+              <a:t>10/20/2025</a:t>
             </a:fld>
             <a:endParaRPr lang="en-US"/>
           </a:p>
@@ -2771,7 +2685,7 @@
           <a:p>
             <a:fld id="{48FEEF45-28CC-454E-AF3F-584F42B34867}" type="datetimeFigureOut">
               <a:rPr lang="en-US" smtClean="0"/>
-              <a:t>10/13/2025</a:t>
+              <a:t>10/20/2025</a:t>
             </a:fld>
             <a:endParaRPr lang="en-US"/>
           </a:p>
@@ -2969,7 +2883,7 @@
           <a:p>
             <a:fld id="{48FEEF45-28CC-454E-AF3F-584F42B34867}" type="datetimeFigureOut">
               <a:rPr lang="en-US" smtClean="0"/>
-              <a:t>10/13/2025</a:t>
+              <a:t>10/20/2025</a:t>
             </a:fld>
             <a:endParaRPr lang="en-US"/>
           </a:p>
@@ -3244,7 +3158,7 @@
           <a:p>
             <a:fld id="{48FEEF45-28CC-454E-AF3F-584F42B34867}" type="datetimeFigureOut">
               <a:rPr lang="en-US" smtClean="0"/>
-              <a:t>10/13/2025</a:t>
+              <a:t>10/20/2025</a:t>
             </a:fld>
             <a:endParaRPr lang="en-US"/>
           </a:p>
@@ -3509,7 +3423,7 @@
           <a:p>
             <a:fld id="{48FEEF45-28CC-454E-AF3F-584F42B34867}" type="datetimeFigureOut">
               <a:rPr lang="en-US" smtClean="0"/>
-              <a:t>10/13/2025</a:t>
+              <a:t>10/20/2025</a:t>
             </a:fld>
             <a:endParaRPr lang="en-US"/>
           </a:p>
@@ -3921,7 +3835,7 @@
           <a:p>
             <a:fld id="{48FEEF45-28CC-454E-AF3F-584F42B34867}" type="datetimeFigureOut">
               <a:rPr lang="en-US" smtClean="0"/>
-              <a:t>10/13/2025</a:t>
+              <a:t>10/20/2025</a:t>
             </a:fld>
             <a:endParaRPr lang="en-US"/>
           </a:p>
@@ -4062,7 +3976,7 @@
           <a:p>
             <a:fld id="{48FEEF45-28CC-454E-AF3F-584F42B34867}" type="datetimeFigureOut">
               <a:rPr lang="en-US" smtClean="0"/>
-              <a:t>10/13/2025</a:t>
+              <a:t>10/20/2025</a:t>
             </a:fld>
             <a:endParaRPr lang="en-US"/>
           </a:p>
@@ -4175,7 +4089,7 @@
           <a:p>
             <a:fld id="{48FEEF45-28CC-454E-AF3F-584F42B34867}" type="datetimeFigureOut">
               <a:rPr lang="en-US" smtClean="0"/>
-              <a:t>10/13/2025</a:t>
+              <a:t>10/20/2025</a:t>
             </a:fld>
             <a:endParaRPr lang="en-US"/>
           </a:p>
@@ -4486,7 +4400,7 @@
           <a:p>
             <a:fld id="{48FEEF45-28CC-454E-AF3F-584F42B34867}" type="datetimeFigureOut">
               <a:rPr lang="en-US" smtClean="0"/>
-              <a:t>10/13/2025</a:t>
+              <a:t>10/20/2025</a:t>
             </a:fld>
             <a:endParaRPr lang="en-US"/>
           </a:p>
@@ -4774,7 +4688,7 @@
           <a:p>
             <a:fld id="{48FEEF45-28CC-454E-AF3F-584F42B34867}" type="datetimeFigureOut">
               <a:rPr lang="en-US" smtClean="0"/>
-              <a:t>10/13/2025</a:t>
+              <a:t>10/20/2025</a:t>
             </a:fld>
             <a:endParaRPr lang="en-US"/>
           </a:p>
@@ -5015,7 +4929,7 @@
           <a:p>
             <a:fld id="{48FEEF45-28CC-454E-AF3F-584F42B34867}" type="datetimeFigureOut">
               <a:rPr lang="en-US" smtClean="0"/>
-              <a:t>10/13/2025</a:t>
+              <a:t>10/20/2025</a:t>
             </a:fld>
             <a:endParaRPr lang="en-US"/>
           </a:p>
@@ -17598,7 +17512,7 @@
           <p:nvPr>
             <p:extLst>
               <p:ext uri="{D42A27DB-BD31-4B8C-83A1-F6EECF244321}">
-                <p14:modId xmlns:p14="http://schemas.microsoft.com/office/powerpoint/2010/main" val="1578358958"/>
+                <p14:modId xmlns:p14="http://schemas.microsoft.com/office/powerpoint/2010/main" val="3620451276"/>
               </p:ext>
             </p:extLst>
           </p:nvPr>
